--- a/java/笔记/JAVA基础.pptx
+++ b/java/笔记/JAVA基础.pptx
@@ -5,7 +5,7 @@
     <p:sldMasterId id="2147483648" r:id="rId1"/>
   </p:sldMasterIdLst>
   <p:notesMasterIdLst>
-    <p:notesMasterId r:id="rId15"/>
+    <p:notesMasterId r:id="rId19"/>
   </p:notesMasterIdLst>
   <p:sldIdLst>
     <p:sldId id="256" r:id="rId2"/>
@@ -21,6 +21,10 @@
     <p:sldId id="266" r:id="rId12"/>
     <p:sldId id="267" r:id="rId13"/>
     <p:sldId id="268" r:id="rId14"/>
+    <p:sldId id="270" r:id="rId15"/>
+    <p:sldId id="271" r:id="rId16"/>
+    <p:sldId id="269" r:id="rId17"/>
+    <p:sldId id="272" r:id="rId18"/>
   </p:sldIdLst>
   <p:sldSz cx="12192000" cy="6858000"/>
   <p:notesSz cx="6858000" cy="9144000"/>
@@ -875,6 +879,342 @@
     <p:extLst>
       <p:ext uri="{BB962C8B-B14F-4D97-AF65-F5344CB8AC3E}">
         <p14:creationId xmlns:p14="http://schemas.microsoft.com/office/powerpoint/2010/main" val="1700025795"/>
+      </p:ext>
+    </p:extLst>
+  </p:cSld>
+  <p:clrMapOvr>
+    <a:masterClrMapping/>
+  </p:clrMapOvr>
+</p:notes>
+</file>
+
+<file path=ppt/notesSlides/notesSlide13.xml><?xml version="1.0" encoding="utf-8"?>
+<p:notes xmlns:a="http://schemas.openxmlformats.org/drawingml/2006/main" xmlns:r="http://schemas.openxmlformats.org/officeDocument/2006/relationships" xmlns:p="http://schemas.openxmlformats.org/presentationml/2006/main">
+  <p:cSld>
+    <p:spTree>
+      <p:nvGrpSpPr>
+        <p:cNvPr id="1" name=""/>
+        <p:cNvGrpSpPr/>
+        <p:nvPr/>
+      </p:nvGrpSpPr>
+      <p:grpSpPr>
+        <a:xfrm>
+          <a:off x="0" y="0"/>
+          <a:ext cx="0" cy="0"/>
+          <a:chOff x="0" y="0"/>
+          <a:chExt cx="0" cy="0"/>
+        </a:xfrm>
+      </p:grpSpPr>
+      <p:sp>
+        <p:nvSpPr>
+          <p:cNvPr id="2" name="幻灯片图像占位符 1"/>
+          <p:cNvSpPr>
+            <a:spLocks noGrp="1" noRot="1" noChangeAspect="1"/>
+          </p:cNvSpPr>
+          <p:nvPr>
+            <p:ph type="sldImg"/>
+          </p:nvPr>
+        </p:nvSpPr>
+        <p:spPr/>
+      </p:sp>
+      <p:sp>
+        <p:nvSpPr>
+          <p:cNvPr id="3" name="备注占位符 2"/>
+          <p:cNvSpPr>
+            <a:spLocks noGrp="1"/>
+          </p:cNvSpPr>
+          <p:nvPr>
+            <p:ph type="body" idx="1"/>
+          </p:nvPr>
+        </p:nvSpPr>
+        <p:spPr/>
+        <p:txBody>
+          <a:bodyPr/>
+          <a:lstStyle/>
+          <a:p>
+            <a:endParaRPr lang="zh-CN" altLang="en-US" dirty="0"/>
+          </a:p>
+        </p:txBody>
+      </p:sp>
+      <p:sp>
+        <p:nvSpPr>
+          <p:cNvPr id="4" name="灯片编号占位符 3"/>
+          <p:cNvSpPr>
+            <a:spLocks noGrp="1"/>
+          </p:cNvSpPr>
+          <p:nvPr>
+            <p:ph type="sldNum" sz="quarter" idx="10"/>
+          </p:nvPr>
+        </p:nvSpPr>
+        <p:spPr/>
+        <p:txBody>
+          <a:bodyPr/>
+          <a:lstStyle/>
+          <a:p>
+            <a:fld id="{265C096E-0A9F-4DA4-9085-32690E510359}" type="slidenum">
+              <a:rPr lang="zh-CN" altLang="en-US" smtClean="0"/>
+              <a:t>14</a:t>
+            </a:fld>
+            <a:endParaRPr lang="zh-CN" altLang="en-US"/>
+          </a:p>
+        </p:txBody>
+      </p:sp>
+    </p:spTree>
+    <p:extLst>
+      <p:ext uri="{BB962C8B-B14F-4D97-AF65-F5344CB8AC3E}">
+        <p14:creationId xmlns:p14="http://schemas.microsoft.com/office/powerpoint/2010/main" val="1375230367"/>
+      </p:ext>
+    </p:extLst>
+  </p:cSld>
+  <p:clrMapOvr>
+    <a:masterClrMapping/>
+  </p:clrMapOvr>
+</p:notes>
+</file>
+
+<file path=ppt/notesSlides/notesSlide14.xml><?xml version="1.0" encoding="utf-8"?>
+<p:notes xmlns:a="http://schemas.openxmlformats.org/drawingml/2006/main" xmlns:r="http://schemas.openxmlformats.org/officeDocument/2006/relationships" xmlns:p="http://schemas.openxmlformats.org/presentationml/2006/main">
+  <p:cSld>
+    <p:spTree>
+      <p:nvGrpSpPr>
+        <p:cNvPr id="1" name=""/>
+        <p:cNvGrpSpPr/>
+        <p:nvPr/>
+      </p:nvGrpSpPr>
+      <p:grpSpPr>
+        <a:xfrm>
+          <a:off x="0" y="0"/>
+          <a:ext cx="0" cy="0"/>
+          <a:chOff x="0" y="0"/>
+          <a:chExt cx="0" cy="0"/>
+        </a:xfrm>
+      </p:grpSpPr>
+      <p:sp>
+        <p:nvSpPr>
+          <p:cNvPr id="2" name="幻灯片图像占位符 1"/>
+          <p:cNvSpPr>
+            <a:spLocks noGrp="1" noRot="1" noChangeAspect="1"/>
+          </p:cNvSpPr>
+          <p:nvPr>
+            <p:ph type="sldImg"/>
+          </p:nvPr>
+        </p:nvSpPr>
+        <p:spPr/>
+      </p:sp>
+      <p:sp>
+        <p:nvSpPr>
+          <p:cNvPr id="3" name="备注占位符 2"/>
+          <p:cNvSpPr>
+            <a:spLocks noGrp="1"/>
+          </p:cNvSpPr>
+          <p:nvPr>
+            <p:ph type="body" idx="1"/>
+          </p:nvPr>
+        </p:nvSpPr>
+        <p:spPr/>
+        <p:txBody>
+          <a:bodyPr/>
+          <a:lstStyle/>
+          <a:p>
+            <a:endParaRPr lang="zh-CN" altLang="en-US" dirty="0"/>
+          </a:p>
+        </p:txBody>
+      </p:sp>
+      <p:sp>
+        <p:nvSpPr>
+          <p:cNvPr id="4" name="灯片编号占位符 3"/>
+          <p:cNvSpPr>
+            <a:spLocks noGrp="1"/>
+          </p:cNvSpPr>
+          <p:nvPr>
+            <p:ph type="sldNum" sz="quarter" idx="10"/>
+          </p:nvPr>
+        </p:nvSpPr>
+        <p:spPr/>
+        <p:txBody>
+          <a:bodyPr/>
+          <a:lstStyle/>
+          <a:p>
+            <a:fld id="{265C096E-0A9F-4DA4-9085-32690E510359}" type="slidenum">
+              <a:rPr lang="zh-CN" altLang="en-US" smtClean="0"/>
+              <a:t>15</a:t>
+            </a:fld>
+            <a:endParaRPr lang="zh-CN" altLang="en-US"/>
+          </a:p>
+        </p:txBody>
+      </p:sp>
+    </p:spTree>
+    <p:extLst>
+      <p:ext uri="{BB962C8B-B14F-4D97-AF65-F5344CB8AC3E}">
+        <p14:creationId xmlns:p14="http://schemas.microsoft.com/office/powerpoint/2010/main" val="2714993945"/>
+      </p:ext>
+    </p:extLst>
+  </p:cSld>
+  <p:clrMapOvr>
+    <a:masterClrMapping/>
+  </p:clrMapOvr>
+</p:notes>
+</file>
+
+<file path=ppt/notesSlides/notesSlide15.xml><?xml version="1.0" encoding="utf-8"?>
+<p:notes xmlns:a="http://schemas.openxmlformats.org/drawingml/2006/main" xmlns:r="http://schemas.openxmlformats.org/officeDocument/2006/relationships" xmlns:p="http://schemas.openxmlformats.org/presentationml/2006/main">
+  <p:cSld>
+    <p:spTree>
+      <p:nvGrpSpPr>
+        <p:cNvPr id="1" name=""/>
+        <p:cNvGrpSpPr/>
+        <p:nvPr/>
+      </p:nvGrpSpPr>
+      <p:grpSpPr>
+        <a:xfrm>
+          <a:off x="0" y="0"/>
+          <a:ext cx="0" cy="0"/>
+          <a:chOff x="0" y="0"/>
+          <a:chExt cx="0" cy="0"/>
+        </a:xfrm>
+      </p:grpSpPr>
+      <p:sp>
+        <p:nvSpPr>
+          <p:cNvPr id="2" name="幻灯片图像占位符 1"/>
+          <p:cNvSpPr>
+            <a:spLocks noGrp="1" noRot="1" noChangeAspect="1"/>
+          </p:cNvSpPr>
+          <p:nvPr>
+            <p:ph type="sldImg"/>
+          </p:nvPr>
+        </p:nvSpPr>
+        <p:spPr/>
+      </p:sp>
+      <p:sp>
+        <p:nvSpPr>
+          <p:cNvPr id="3" name="备注占位符 2"/>
+          <p:cNvSpPr>
+            <a:spLocks noGrp="1"/>
+          </p:cNvSpPr>
+          <p:nvPr>
+            <p:ph type="body" idx="1"/>
+          </p:nvPr>
+        </p:nvSpPr>
+        <p:spPr/>
+        <p:txBody>
+          <a:bodyPr/>
+          <a:lstStyle/>
+          <a:p>
+            <a:endParaRPr lang="zh-CN" altLang="en-US" dirty="0"/>
+          </a:p>
+        </p:txBody>
+      </p:sp>
+      <p:sp>
+        <p:nvSpPr>
+          <p:cNvPr id="4" name="灯片编号占位符 3"/>
+          <p:cNvSpPr>
+            <a:spLocks noGrp="1"/>
+          </p:cNvSpPr>
+          <p:nvPr>
+            <p:ph type="sldNum" sz="quarter" idx="10"/>
+          </p:nvPr>
+        </p:nvSpPr>
+        <p:spPr/>
+        <p:txBody>
+          <a:bodyPr/>
+          <a:lstStyle/>
+          <a:p>
+            <a:fld id="{265C096E-0A9F-4DA4-9085-32690E510359}" type="slidenum">
+              <a:rPr lang="zh-CN" altLang="en-US" smtClean="0"/>
+              <a:t>16</a:t>
+            </a:fld>
+            <a:endParaRPr lang="zh-CN" altLang="en-US"/>
+          </a:p>
+        </p:txBody>
+      </p:sp>
+    </p:spTree>
+    <p:extLst>
+      <p:ext uri="{BB962C8B-B14F-4D97-AF65-F5344CB8AC3E}">
+        <p14:creationId xmlns:p14="http://schemas.microsoft.com/office/powerpoint/2010/main" val="3867858393"/>
+      </p:ext>
+    </p:extLst>
+  </p:cSld>
+  <p:clrMapOvr>
+    <a:masterClrMapping/>
+  </p:clrMapOvr>
+</p:notes>
+</file>
+
+<file path=ppt/notesSlides/notesSlide16.xml><?xml version="1.0" encoding="utf-8"?>
+<p:notes xmlns:a="http://schemas.openxmlformats.org/drawingml/2006/main" xmlns:r="http://schemas.openxmlformats.org/officeDocument/2006/relationships" xmlns:p="http://schemas.openxmlformats.org/presentationml/2006/main">
+  <p:cSld>
+    <p:spTree>
+      <p:nvGrpSpPr>
+        <p:cNvPr id="1" name=""/>
+        <p:cNvGrpSpPr/>
+        <p:nvPr/>
+      </p:nvGrpSpPr>
+      <p:grpSpPr>
+        <a:xfrm>
+          <a:off x="0" y="0"/>
+          <a:ext cx="0" cy="0"/>
+          <a:chOff x="0" y="0"/>
+          <a:chExt cx="0" cy="0"/>
+        </a:xfrm>
+      </p:grpSpPr>
+      <p:sp>
+        <p:nvSpPr>
+          <p:cNvPr id="2" name="幻灯片图像占位符 1"/>
+          <p:cNvSpPr>
+            <a:spLocks noGrp="1" noRot="1" noChangeAspect="1"/>
+          </p:cNvSpPr>
+          <p:nvPr>
+            <p:ph type="sldImg"/>
+          </p:nvPr>
+        </p:nvSpPr>
+        <p:spPr/>
+      </p:sp>
+      <p:sp>
+        <p:nvSpPr>
+          <p:cNvPr id="3" name="备注占位符 2"/>
+          <p:cNvSpPr>
+            <a:spLocks noGrp="1"/>
+          </p:cNvSpPr>
+          <p:nvPr>
+            <p:ph type="body" idx="1"/>
+          </p:nvPr>
+        </p:nvSpPr>
+        <p:spPr/>
+        <p:txBody>
+          <a:bodyPr/>
+          <a:lstStyle/>
+          <a:p>
+            <a:endParaRPr lang="zh-CN" altLang="en-US" dirty="0"/>
+          </a:p>
+        </p:txBody>
+      </p:sp>
+      <p:sp>
+        <p:nvSpPr>
+          <p:cNvPr id="4" name="灯片编号占位符 3"/>
+          <p:cNvSpPr>
+            <a:spLocks noGrp="1"/>
+          </p:cNvSpPr>
+          <p:nvPr>
+            <p:ph type="sldNum" sz="quarter" idx="10"/>
+          </p:nvPr>
+        </p:nvSpPr>
+        <p:spPr/>
+        <p:txBody>
+          <a:bodyPr/>
+          <a:lstStyle/>
+          <a:p>
+            <a:fld id="{265C096E-0A9F-4DA4-9085-32690E510359}" type="slidenum">
+              <a:rPr lang="zh-CN" altLang="en-US" smtClean="0"/>
+              <a:t>17</a:t>
+            </a:fld>
+            <a:endParaRPr lang="zh-CN" altLang="en-US"/>
+          </a:p>
+        </p:txBody>
+      </p:sp>
+    </p:spTree>
+    <p:extLst>
+      <p:ext uri="{BB962C8B-B14F-4D97-AF65-F5344CB8AC3E}">
+        <p14:creationId xmlns:p14="http://schemas.microsoft.com/office/powerpoint/2010/main" val="2370315883"/>
       </p:ext>
     </p:extLst>
   </p:cSld>
@@ -4579,7 +4919,7 @@
         <p:spPr>
           <a:xfrm>
             <a:off x="2552132" y="1314834"/>
-            <a:ext cx="4496367" cy="5078313"/>
+            <a:ext cx="4496367" cy="4662815"/>
           </a:xfrm>
           <a:prstGeom prst="rect">
             <a:avLst/>
@@ -4716,25 +5056,10 @@
               <a:buAutoNum type="arabicPeriod"/>
             </a:pPr>
             <a:r>
-              <a:rPr lang="en-US" altLang="zh-CN" dirty="0" smtClean="0"/>
-              <a:t>IO</a:t>
-            </a:r>
-            <a:r>
               <a:rPr lang="zh-CN" altLang="en-US" dirty="0" smtClean="0"/>
-              <a:t>、</a:t>
-            </a:r>
-            <a:r>
-              <a:rPr lang="en-US" altLang="zh-CN" dirty="0" smtClean="0"/>
-              <a:t>NIO</a:t>
-            </a:r>
-            <a:r>
-              <a:rPr lang="zh-CN" altLang="en-US" dirty="0" smtClean="0"/>
-              <a:t>、</a:t>
-            </a:r>
-            <a:r>
-              <a:rPr lang="en-US" altLang="zh-CN" dirty="0" smtClean="0"/>
-              <a:t>AIO</a:t>
-            </a:r>
+              <a:t>并发包</a:t>
+            </a:r>
+            <a:endParaRPr lang="en-US" altLang="zh-CN" dirty="0" smtClean="0"/>
           </a:p>
           <a:p>
             <a:pPr marL="342900" indent="-342900">
@@ -4743,23 +5068,6 @@
               </a:lnSpc>
               <a:buAutoNum type="arabicPeriod"/>
             </a:pPr>
-            <a:r>
-              <a:rPr lang="zh-CN" altLang="en-US" dirty="0" smtClean="0"/>
-              <a:t>多线程</a:t>
-            </a:r>
-            <a:endParaRPr lang="en-US" altLang="zh-CN" dirty="0" smtClean="0"/>
-          </a:p>
-          <a:p>
-            <a:pPr marL="342900" indent="-342900">
-              <a:lnSpc>
-                <a:spcPct val="150000"/>
-              </a:lnSpc>
-              <a:buAutoNum type="arabicPeriod"/>
-            </a:pPr>
-            <a:r>
-              <a:rPr lang="en-US" altLang="zh-CN" dirty="0" smtClean="0"/>
-              <a:t>Stream</a:t>
-            </a:r>
             <a:endParaRPr lang="zh-CN" altLang="en-US" dirty="0"/>
           </a:p>
         </p:txBody>
@@ -5558,17 +5866,877 @@
           <a:lstStyle/>
           <a:p>
             <a:r>
-              <a:rPr lang="zh-CN" altLang="en-US" sz="2800" b="1" dirty="0"/>
+              <a:rPr lang="zh-CN" altLang="en-US" sz="2800" b="1" dirty="0" smtClean="0"/>
               <a:t>集合</a:t>
             </a:r>
             <a:endParaRPr lang="en-US" altLang="zh-CN" sz="2800" b="1" dirty="0" smtClean="0"/>
           </a:p>
         </p:txBody>
       </p:sp>
+      <p:pic>
+        <p:nvPicPr>
+          <p:cNvPr id="7" name="图片 6"/>
+          <p:cNvPicPr>
+            <a:picLocks noChangeAspect="1"/>
+          </p:cNvPicPr>
+          <p:nvPr/>
+        </p:nvPicPr>
+        <p:blipFill>
+          <a:blip r:embed="rId3"/>
+          <a:stretch>
+            <a:fillRect/>
+          </a:stretch>
+        </p:blipFill>
+        <p:spPr>
+          <a:xfrm>
+            <a:off x="567010" y="901890"/>
+            <a:ext cx="4762500" cy="2133600"/>
+          </a:xfrm>
+          <a:prstGeom prst="rect">
+            <a:avLst/>
+          </a:prstGeom>
+        </p:spPr>
+      </p:pic>
+      <p:pic>
+        <p:nvPicPr>
+          <p:cNvPr id="10" name="图片 9"/>
+          <p:cNvPicPr>
+            <a:picLocks noChangeAspect="1"/>
+          </p:cNvPicPr>
+          <p:nvPr/>
+        </p:nvPicPr>
+        <p:blipFill>
+          <a:blip r:embed="rId4"/>
+          <a:stretch>
+            <a:fillRect/>
+          </a:stretch>
+        </p:blipFill>
+        <p:spPr>
+          <a:xfrm>
+            <a:off x="7942245" y="1326366"/>
+            <a:ext cx="3404346" cy="4369876"/>
+          </a:xfrm>
+          <a:prstGeom prst="rect">
+            <a:avLst/>
+          </a:prstGeom>
+        </p:spPr>
+      </p:pic>
+      <p:pic>
+        <p:nvPicPr>
+          <p:cNvPr id="12" name="图片 11"/>
+          <p:cNvPicPr>
+            <a:picLocks noChangeAspect="1"/>
+          </p:cNvPicPr>
+          <p:nvPr/>
+        </p:nvPicPr>
+        <p:blipFill>
+          <a:blip r:embed="rId5"/>
+          <a:stretch>
+            <a:fillRect/>
+          </a:stretch>
+        </p:blipFill>
+        <p:spPr>
+          <a:xfrm>
+            <a:off x="145038" y="3914165"/>
+            <a:ext cx="7507345" cy="1486266"/>
+          </a:xfrm>
+          <a:prstGeom prst="rect">
+            <a:avLst/>
+          </a:prstGeom>
+        </p:spPr>
+      </p:pic>
     </p:spTree>
     <p:extLst>
       <p:ext uri="{BB962C8B-B14F-4D97-AF65-F5344CB8AC3E}">
         <p14:creationId xmlns:p14="http://schemas.microsoft.com/office/powerpoint/2010/main" val="2641004881"/>
+      </p:ext>
+    </p:extLst>
+  </p:cSld>
+  <p:clrMapOvr>
+    <a:masterClrMapping/>
+  </p:clrMapOvr>
+  <p:timing>
+    <p:tnLst>
+      <p:par>
+        <p:cTn id="1" dur="indefinite" restart="never" nodeType="tmRoot"/>
+      </p:par>
+    </p:tnLst>
+  </p:timing>
+</p:sld>
+</file>
+
+<file path=ppt/slides/slide14.xml><?xml version="1.0" encoding="utf-8"?>
+<p:sld xmlns:a="http://schemas.openxmlformats.org/drawingml/2006/main" xmlns:r="http://schemas.openxmlformats.org/officeDocument/2006/relationships" xmlns:p="http://schemas.openxmlformats.org/presentationml/2006/main">
+  <p:cSld>
+    <p:spTree>
+      <p:nvGrpSpPr>
+        <p:cNvPr id="1" name=""/>
+        <p:cNvGrpSpPr/>
+        <p:nvPr/>
+      </p:nvGrpSpPr>
+      <p:grpSpPr>
+        <a:xfrm>
+          <a:off x="0" y="0"/>
+          <a:ext cx="0" cy="0"/>
+          <a:chOff x="0" y="0"/>
+          <a:chExt cx="0" cy="0"/>
+        </a:xfrm>
+      </p:grpSpPr>
+      <p:cxnSp>
+        <p:nvCxnSpPr>
+          <p:cNvPr id="6" name="直接连接符 5"/>
+          <p:cNvCxnSpPr/>
+          <p:nvPr/>
+        </p:nvCxnSpPr>
+        <p:spPr>
+          <a:xfrm>
+            <a:off x="567010" y="718978"/>
+            <a:ext cx="7837714" cy="0"/>
+          </a:xfrm>
+          <a:prstGeom prst="line">
+            <a:avLst/>
+          </a:prstGeom>
+          <a:ln>
+            <a:solidFill>
+              <a:schemeClr val="bg1">
+                <a:lumMod val="50000"/>
+              </a:schemeClr>
+            </a:solidFill>
+            <a:prstDash val="sysDash"/>
+          </a:ln>
+        </p:spPr>
+        <p:style>
+          <a:lnRef idx="1">
+            <a:schemeClr val="accent1"/>
+          </a:lnRef>
+          <a:fillRef idx="0">
+            <a:schemeClr val="accent1"/>
+          </a:fillRef>
+          <a:effectRef idx="0">
+            <a:schemeClr val="accent1"/>
+          </a:effectRef>
+          <a:fontRef idx="minor">
+            <a:schemeClr val="tx1"/>
+          </a:fontRef>
+        </p:style>
+      </p:cxnSp>
+      <p:sp>
+        <p:nvSpPr>
+          <p:cNvPr id="2" name="文本框 1"/>
+          <p:cNvSpPr txBox="1"/>
+          <p:nvPr/>
+        </p:nvSpPr>
+        <p:spPr>
+          <a:xfrm>
+            <a:off x="1333500" y="152400"/>
+            <a:ext cx="1266693" cy="523220"/>
+          </a:xfrm>
+          <a:prstGeom prst="rect">
+            <a:avLst/>
+          </a:prstGeom>
+          <a:noFill/>
+        </p:spPr>
+        <p:txBody>
+          <a:bodyPr wrap="none" rtlCol="0">
+            <a:spAutoFit/>
+          </a:bodyPr>
+          <a:lstStyle/>
+          <a:p>
+            <a:r>
+              <a:rPr lang="zh-CN" altLang="en-US" sz="2800" b="1" dirty="0"/>
+              <a:t>并发包</a:t>
+            </a:r>
+            <a:endParaRPr lang="en-US" altLang="zh-CN" sz="2800" b="1" dirty="0" smtClean="0"/>
+          </a:p>
+        </p:txBody>
+      </p:sp>
+      <p:pic>
+        <p:nvPicPr>
+          <p:cNvPr id="3" name="图片 2"/>
+          <p:cNvPicPr>
+            <a:picLocks noChangeAspect="1"/>
+          </p:cNvPicPr>
+          <p:nvPr/>
+        </p:nvPicPr>
+        <p:blipFill>
+          <a:blip r:embed="rId3"/>
+          <a:stretch>
+            <a:fillRect/>
+          </a:stretch>
+        </p:blipFill>
+        <p:spPr>
+          <a:xfrm>
+            <a:off x="2600193" y="163899"/>
+            <a:ext cx="2562225" cy="533400"/>
+          </a:xfrm>
+          <a:prstGeom prst="rect">
+            <a:avLst/>
+          </a:prstGeom>
+        </p:spPr>
+      </p:pic>
+      <p:sp>
+        <p:nvSpPr>
+          <p:cNvPr id="4" name="文本框 3"/>
+          <p:cNvSpPr txBox="1"/>
+          <p:nvPr/>
+        </p:nvSpPr>
+        <p:spPr>
+          <a:xfrm>
+            <a:off x="2812903" y="191194"/>
+            <a:ext cx="2482095" cy="369332"/>
+          </a:xfrm>
+          <a:prstGeom prst="rect">
+            <a:avLst/>
+          </a:prstGeom>
+          <a:noFill/>
+        </p:spPr>
+        <p:txBody>
+          <a:bodyPr wrap="square" rtlCol="0">
+            <a:spAutoFit/>
+          </a:bodyPr>
+          <a:lstStyle/>
+          <a:p>
+            <a:r>
+              <a:rPr lang="en-US" altLang="zh-CN" b="1" dirty="0" err="1">
+                <a:solidFill>
+                  <a:srgbClr val="FF0000"/>
+                </a:solidFill>
+              </a:rPr>
+              <a:t>ConcurrentHashMap</a:t>
+            </a:r>
+            <a:endParaRPr lang="zh-CN" altLang="en-US" b="1" dirty="0">
+              <a:solidFill>
+                <a:srgbClr val="FF0000"/>
+              </a:solidFill>
+            </a:endParaRPr>
+          </a:p>
+        </p:txBody>
+      </p:sp>
+      <p:pic>
+        <p:nvPicPr>
+          <p:cNvPr id="5" name="图片 4"/>
+          <p:cNvPicPr>
+            <a:picLocks noChangeAspect="1"/>
+          </p:cNvPicPr>
+          <p:nvPr/>
+        </p:nvPicPr>
+        <p:blipFill>
+          <a:blip r:embed="rId4"/>
+          <a:stretch>
+            <a:fillRect/>
+          </a:stretch>
+        </p:blipFill>
+        <p:spPr>
+          <a:xfrm>
+            <a:off x="567010" y="834072"/>
+            <a:ext cx="10496622" cy="6230414"/>
+          </a:xfrm>
+          <a:prstGeom prst="rect">
+            <a:avLst/>
+          </a:prstGeom>
+        </p:spPr>
+      </p:pic>
+    </p:spTree>
+    <p:extLst>
+      <p:ext uri="{BB962C8B-B14F-4D97-AF65-F5344CB8AC3E}">
+        <p14:creationId xmlns:p14="http://schemas.microsoft.com/office/powerpoint/2010/main" val="3413687880"/>
+      </p:ext>
+    </p:extLst>
+  </p:cSld>
+  <p:clrMapOvr>
+    <a:masterClrMapping/>
+  </p:clrMapOvr>
+  <p:timing>
+    <p:tnLst>
+      <p:par>
+        <p:cTn id="1" dur="indefinite" restart="never" nodeType="tmRoot"/>
+      </p:par>
+    </p:tnLst>
+  </p:timing>
+</p:sld>
+</file>
+
+<file path=ppt/slides/slide15.xml><?xml version="1.0" encoding="utf-8"?>
+<p:sld xmlns:a="http://schemas.openxmlformats.org/drawingml/2006/main" xmlns:r="http://schemas.openxmlformats.org/officeDocument/2006/relationships" xmlns:p="http://schemas.openxmlformats.org/presentationml/2006/main">
+  <p:cSld>
+    <p:spTree>
+      <p:nvGrpSpPr>
+        <p:cNvPr id="1" name=""/>
+        <p:cNvGrpSpPr/>
+        <p:nvPr/>
+      </p:nvGrpSpPr>
+      <p:grpSpPr>
+        <a:xfrm>
+          <a:off x="0" y="0"/>
+          <a:ext cx="0" cy="0"/>
+          <a:chOff x="0" y="0"/>
+          <a:chExt cx="0" cy="0"/>
+        </a:xfrm>
+      </p:grpSpPr>
+      <p:cxnSp>
+        <p:nvCxnSpPr>
+          <p:cNvPr id="6" name="直接连接符 5"/>
+          <p:cNvCxnSpPr/>
+          <p:nvPr/>
+        </p:nvCxnSpPr>
+        <p:spPr>
+          <a:xfrm>
+            <a:off x="567010" y="718978"/>
+            <a:ext cx="7837714" cy="0"/>
+          </a:xfrm>
+          <a:prstGeom prst="line">
+            <a:avLst/>
+          </a:prstGeom>
+          <a:ln>
+            <a:solidFill>
+              <a:schemeClr val="bg1">
+                <a:lumMod val="50000"/>
+              </a:schemeClr>
+            </a:solidFill>
+            <a:prstDash val="sysDash"/>
+          </a:ln>
+        </p:spPr>
+        <p:style>
+          <a:lnRef idx="1">
+            <a:schemeClr val="accent1"/>
+          </a:lnRef>
+          <a:fillRef idx="0">
+            <a:schemeClr val="accent1"/>
+          </a:fillRef>
+          <a:effectRef idx="0">
+            <a:schemeClr val="accent1"/>
+          </a:effectRef>
+          <a:fontRef idx="minor">
+            <a:schemeClr val="tx1"/>
+          </a:fontRef>
+        </p:style>
+      </p:cxnSp>
+      <p:sp>
+        <p:nvSpPr>
+          <p:cNvPr id="2" name="文本框 1"/>
+          <p:cNvSpPr txBox="1"/>
+          <p:nvPr/>
+        </p:nvSpPr>
+        <p:spPr>
+          <a:xfrm>
+            <a:off x="1333500" y="152400"/>
+            <a:ext cx="1266693" cy="523220"/>
+          </a:xfrm>
+          <a:prstGeom prst="rect">
+            <a:avLst/>
+          </a:prstGeom>
+          <a:noFill/>
+        </p:spPr>
+        <p:txBody>
+          <a:bodyPr wrap="none" rtlCol="0">
+            <a:spAutoFit/>
+          </a:bodyPr>
+          <a:lstStyle/>
+          <a:p>
+            <a:r>
+              <a:rPr lang="zh-CN" altLang="en-US" sz="2800" b="1" dirty="0"/>
+              <a:t>并发包</a:t>
+            </a:r>
+            <a:endParaRPr lang="en-US" altLang="zh-CN" sz="2800" b="1" dirty="0" smtClean="0"/>
+          </a:p>
+        </p:txBody>
+      </p:sp>
+      <p:pic>
+        <p:nvPicPr>
+          <p:cNvPr id="3" name="图片 2"/>
+          <p:cNvPicPr>
+            <a:picLocks noChangeAspect="1"/>
+          </p:cNvPicPr>
+          <p:nvPr/>
+        </p:nvPicPr>
+        <p:blipFill>
+          <a:blip r:embed="rId3"/>
+          <a:stretch>
+            <a:fillRect/>
+          </a:stretch>
+        </p:blipFill>
+        <p:spPr>
+          <a:xfrm>
+            <a:off x="2525758" y="163899"/>
+            <a:ext cx="2562225" cy="533400"/>
+          </a:xfrm>
+          <a:prstGeom prst="rect">
+            <a:avLst/>
+          </a:prstGeom>
+        </p:spPr>
+      </p:pic>
+      <p:sp>
+        <p:nvSpPr>
+          <p:cNvPr id="4" name="文本框 3"/>
+          <p:cNvSpPr txBox="1"/>
+          <p:nvPr/>
+        </p:nvSpPr>
+        <p:spPr>
+          <a:xfrm>
+            <a:off x="2738468" y="191194"/>
+            <a:ext cx="2482095" cy="369332"/>
+          </a:xfrm>
+          <a:prstGeom prst="rect">
+            <a:avLst/>
+          </a:prstGeom>
+          <a:noFill/>
+        </p:spPr>
+        <p:txBody>
+          <a:bodyPr wrap="square" rtlCol="0">
+            <a:spAutoFit/>
+          </a:bodyPr>
+          <a:lstStyle/>
+          <a:p>
+            <a:r>
+              <a:rPr lang="en-US" altLang="zh-CN" b="1" dirty="0" err="1">
+                <a:solidFill>
+                  <a:srgbClr val="FF0000"/>
+                </a:solidFill>
+              </a:rPr>
+              <a:t>ConcurrentHashMap</a:t>
+            </a:r>
+            <a:endParaRPr lang="zh-CN" altLang="en-US" b="1" dirty="0">
+              <a:solidFill>
+                <a:srgbClr val="FF0000"/>
+              </a:solidFill>
+            </a:endParaRPr>
+          </a:p>
+        </p:txBody>
+      </p:sp>
+      <p:pic>
+        <p:nvPicPr>
+          <p:cNvPr id="8" name="图片 7"/>
+          <p:cNvPicPr>
+            <a:picLocks noChangeAspect="1"/>
+          </p:cNvPicPr>
+          <p:nvPr/>
+        </p:nvPicPr>
+        <p:blipFill>
+          <a:blip r:embed="rId4"/>
+          <a:stretch>
+            <a:fillRect/>
+          </a:stretch>
+        </p:blipFill>
+        <p:spPr>
+          <a:xfrm>
+            <a:off x="948306" y="877431"/>
+            <a:ext cx="10147324" cy="5996642"/>
+          </a:xfrm>
+          <a:prstGeom prst="rect">
+            <a:avLst/>
+          </a:prstGeom>
+        </p:spPr>
+      </p:pic>
+      <p:pic>
+        <p:nvPicPr>
+          <p:cNvPr id="11" name="图片 10"/>
+          <p:cNvPicPr>
+            <a:picLocks noChangeAspect="1"/>
+          </p:cNvPicPr>
+          <p:nvPr/>
+        </p:nvPicPr>
+        <p:blipFill>
+          <a:blip r:embed="rId5"/>
+          <a:stretch>
+            <a:fillRect/>
+          </a:stretch>
+        </p:blipFill>
+        <p:spPr>
+          <a:xfrm>
+            <a:off x="6622205" y="1526135"/>
+            <a:ext cx="3867150" cy="790575"/>
+          </a:xfrm>
+          <a:prstGeom prst="rect">
+            <a:avLst/>
+          </a:prstGeom>
+        </p:spPr>
+      </p:pic>
+    </p:spTree>
+    <p:extLst>
+      <p:ext uri="{BB962C8B-B14F-4D97-AF65-F5344CB8AC3E}">
+        <p14:creationId xmlns:p14="http://schemas.microsoft.com/office/powerpoint/2010/main" val="1498474954"/>
+      </p:ext>
+    </p:extLst>
+  </p:cSld>
+  <p:clrMapOvr>
+    <a:masterClrMapping/>
+  </p:clrMapOvr>
+  <p:timing>
+    <p:tnLst>
+      <p:par>
+        <p:cTn id="1" dur="indefinite" restart="never" nodeType="tmRoot"/>
+      </p:par>
+    </p:tnLst>
+  </p:timing>
+</p:sld>
+</file>
+
+<file path=ppt/slides/slide16.xml><?xml version="1.0" encoding="utf-8"?>
+<p:sld xmlns:a="http://schemas.openxmlformats.org/drawingml/2006/main" xmlns:r="http://schemas.openxmlformats.org/officeDocument/2006/relationships" xmlns:p="http://schemas.openxmlformats.org/presentationml/2006/main">
+  <p:cSld>
+    <p:spTree>
+      <p:nvGrpSpPr>
+        <p:cNvPr id="1" name=""/>
+        <p:cNvGrpSpPr/>
+        <p:nvPr/>
+      </p:nvGrpSpPr>
+      <p:grpSpPr>
+        <a:xfrm>
+          <a:off x="0" y="0"/>
+          <a:ext cx="0" cy="0"/>
+          <a:chOff x="0" y="0"/>
+          <a:chExt cx="0" cy="0"/>
+        </a:xfrm>
+      </p:grpSpPr>
+      <p:cxnSp>
+        <p:nvCxnSpPr>
+          <p:cNvPr id="6" name="直接连接符 5"/>
+          <p:cNvCxnSpPr/>
+          <p:nvPr/>
+        </p:nvCxnSpPr>
+        <p:spPr>
+          <a:xfrm>
+            <a:off x="567010" y="718978"/>
+            <a:ext cx="7837714" cy="0"/>
+          </a:xfrm>
+          <a:prstGeom prst="line">
+            <a:avLst/>
+          </a:prstGeom>
+          <a:ln>
+            <a:solidFill>
+              <a:schemeClr val="bg1">
+                <a:lumMod val="50000"/>
+              </a:schemeClr>
+            </a:solidFill>
+            <a:prstDash val="sysDash"/>
+          </a:ln>
+        </p:spPr>
+        <p:style>
+          <a:lnRef idx="1">
+            <a:schemeClr val="accent1"/>
+          </a:lnRef>
+          <a:fillRef idx="0">
+            <a:schemeClr val="accent1"/>
+          </a:fillRef>
+          <a:effectRef idx="0">
+            <a:schemeClr val="accent1"/>
+          </a:effectRef>
+          <a:fontRef idx="minor">
+            <a:schemeClr val="tx1"/>
+          </a:fontRef>
+        </p:style>
+      </p:cxnSp>
+      <p:sp>
+        <p:nvSpPr>
+          <p:cNvPr id="2" name="文本框 1"/>
+          <p:cNvSpPr txBox="1"/>
+          <p:nvPr/>
+        </p:nvSpPr>
+        <p:spPr>
+          <a:xfrm>
+            <a:off x="1333500" y="152400"/>
+            <a:ext cx="1266693" cy="523220"/>
+          </a:xfrm>
+          <a:prstGeom prst="rect">
+            <a:avLst/>
+          </a:prstGeom>
+          <a:noFill/>
+        </p:spPr>
+        <p:txBody>
+          <a:bodyPr wrap="none" rtlCol="0">
+            <a:spAutoFit/>
+          </a:bodyPr>
+          <a:lstStyle/>
+          <a:p>
+            <a:r>
+              <a:rPr lang="zh-CN" altLang="en-US" sz="2800" b="1" dirty="0"/>
+              <a:t>并发包</a:t>
+            </a:r>
+            <a:endParaRPr lang="en-US" altLang="zh-CN" sz="2800" b="1" dirty="0" smtClean="0"/>
+          </a:p>
+        </p:txBody>
+      </p:sp>
+      <p:pic>
+        <p:nvPicPr>
+          <p:cNvPr id="3" name="图片 2"/>
+          <p:cNvPicPr>
+            <a:picLocks noChangeAspect="1"/>
+          </p:cNvPicPr>
+          <p:nvPr/>
+        </p:nvPicPr>
+        <p:blipFill>
+          <a:blip r:embed="rId3"/>
+          <a:stretch>
+            <a:fillRect/>
+          </a:stretch>
+        </p:blipFill>
+        <p:spPr>
+          <a:xfrm>
+            <a:off x="2791595" y="185578"/>
+            <a:ext cx="2562225" cy="533400"/>
+          </a:xfrm>
+          <a:prstGeom prst="rect">
+            <a:avLst/>
+          </a:prstGeom>
+        </p:spPr>
+      </p:pic>
+      <p:sp>
+        <p:nvSpPr>
+          <p:cNvPr id="4" name="文本框 3"/>
+          <p:cNvSpPr txBox="1"/>
+          <p:nvPr/>
+        </p:nvSpPr>
+        <p:spPr>
+          <a:xfrm>
+            <a:off x="3004305" y="212873"/>
+            <a:ext cx="2482095" cy="369332"/>
+          </a:xfrm>
+          <a:prstGeom prst="rect">
+            <a:avLst/>
+          </a:prstGeom>
+          <a:noFill/>
+        </p:spPr>
+        <p:txBody>
+          <a:bodyPr wrap="square" rtlCol="0">
+            <a:spAutoFit/>
+          </a:bodyPr>
+          <a:lstStyle/>
+          <a:p>
+            <a:r>
+              <a:rPr lang="en-US" altLang="zh-CN" b="1" dirty="0" err="1">
+                <a:solidFill>
+                  <a:srgbClr val="FF0000"/>
+                </a:solidFill>
+              </a:rPr>
+              <a:t>ConcurrentHashMap</a:t>
+            </a:r>
+            <a:endParaRPr lang="zh-CN" altLang="en-US" b="1" dirty="0">
+              <a:solidFill>
+                <a:srgbClr val="FF0000"/>
+              </a:solidFill>
+            </a:endParaRPr>
+          </a:p>
+        </p:txBody>
+      </p:sp>
+      <p:pic>
+        <p:nvPicPr>
+          <p:cNvPr id="15" name="图片 14"/>
+          <p:cNvPicPr>
+            <a:picLocks noChangeAspect="1"/>
+          </p:cNvPicPr>
+          <p:nvPr/>
+        </p:nvPicPr>
+        <p:blipFill>
+          <a:blip r:embed="rId4"/>
+          <a:stretch>
+            <a:fillRect/>
+          </a:stretch>
+        </p:blipFill>
+        <p:spPr>
+          <a:xfrm>
+            <a:off x="567010" y="952871"/>
+            <a:ext cx="10701393" cy="4770675"/>
+          </a:xfrm>
+          <a:prstGeom prst="rect">
+            <a:avLst/>
+          </a:prstGeom>
+        </p:spPr>
+      </p:pic>
+    </p:spTree>
+    <p:extLst>
+      <p:ext uri="{BB962C8B-B14F-4D97-AF65-F5344CB8AC3E}">
+        <p14:creationId xmlns:p14="http://schemas.microsoft.com/office/powerpoint/2010/main" val="2332070313"/>
+      </p:ext>
+    </p:extLst>
+  </p:cSld>
+  <p:clrMapOvr>
+    <a:masterClrMapping/>
+  </p:clrMapOvr>
+  <p:timing>
+    <p:tnLst>
+      <p:par>
+        <p:cTn id="1" dur="indefinite" restart="never" nodeType="tmRoot"/>
+      </p:par>
+    </p:tnLst>
+  </p:timing>
+</p:sld>
+</file>
+
+<file path=ppt/slides/slide17.xml><?xml version="1.0" encoding="utf-8"?>
+<p:sld xmlns:a="http://schemas.openxmlformats.org/drawingml/2006/main" xmlns:r="http://schemas.openxmlformats.org/officeDocument/2006/relationships" xmlns:p="http://schemas.openxmlformats.org/presentationml/2006/main">
+  <p:cSld>
+    <p:spTree>
+      <p:nvGrpSpPr>
+        <p:cNvPr id="1" name=""/>
+        <p:cNvGrpSpPr/>
+        <p:nvPr/>
+      </p:nvGrpSpPr>
+      <p:grpSpPr>
+        <a:xfrm>
+          <a:off x="0" y="0"/>
+          <a:ext cx="0" cy="0"/>
+          <a:chOff x="0" y="0"/>
+          <a:chExt cx="0" cy="0"/>
+        </a:xfrm>
+      </p:grpSpPr>
+      <p:cxnSp>
+        <p:nvCxnSpPr>
+          <p:cNvPr id="6" name="直接连接符 5"/>
+          <p:cNvCxnSpPr/>
+          <p:nvPr/>
+        </p:nvCxnSpPr>
+        <p:spPr>
+          <a:xfrm>
+            <a:off x="567010" y="718978"/>
+            <a:ext cx="7837714" cy="0"/>
+          </a:xfrm>
+          <a:prstGeom prst="line">
+            <a:avLst/>
+          </a:prstGeom>
+          <a:ln>
+            <a:solidFill>
+              <a:schemeClr val="bg1">
+                <a:lumMod val="50000"/>
+              </a:schemeClr>
+            </a:solidFill>
+            <a:prstDash val="sysDash"/>
+          </a:ln>
+        </p:spPr>
+        <p:style>
+          <a:lnRef idx="1">
+            <a:schemeClr val="accent1"/>
+          </a:lnRef>
+          <a:fillRef idx="0">
+            <a:schemeClr val="accent1"/>
+          </a:fillRef>
+          <a:effectRef idx="0">
+            <a:schemeClr val="accent1"/>
+          </a:effectRef>
+          <a:fontRef idx="minor">
+            <a:schemeClr val="tx1"/>
+          </a:fontRef>
+        </p:style>
+      </p:cxnSp>
+      <p:sp>
+        <p:nvSpPr>
+          <p:cNvPr id="2" name="文本框 1"/>
+          <p:cNvSpPr txBox="1"/>
+          <p:nvPr/>
+        </p:nvSpPr>
+        <p:spPr>
+          <a:xfrm>
+            <a:off x="1333500" y="152400"/>
+            <a:ext cx="1266693" cy="523220"/>
+          </a:xfrm>
+          <a:prstGeom prst="rect">
+            <a:avLst/>
+          </a:prstGeom>
+          <a:noFill/>
+        </p:spPr>
+        <p:txBody>
+          <a:bodyPr wrap="none" rtlCol="0">
+            <a:spAutoFit/>
+          </a:bodyPr>
+          <a:lstStyle/>
+          <a:p>
+            <a:r>
+              <a:rPr lang="zh-CN" altLang="en-US" sz="2800" b="1" dirty="0"/>
+              <a:t>并发包</a:t>
+            </a:r>
+            <a:endParaRPr lang="en-US" altLang="zh-CN" sz="2800" b="1" dirty="0" smtClean="0"/>
+          </a:p>
+        </p:txBody>
+      </p:sp>
+      <p:pic>
+        <p:nvPicPr>
+          <p:cNvPr id="3" name="图片 2"/>
+          <p:cNvPicPr>
+            <a:picLocks noChangeAspect="1"/>
+          </p:cNvPicPr>
+          <p:nvPr/>
+        </p:nvPicPr>
+        <p:blipFill>
+          <a:blip r:embed="rId3"/>
+          <a:stretch>
+            <a:fillRect/>
+          </a:stretch>
+        </p:blipFill>
+        <p:spPr>
+          <a:xfrm>
+            <a:off x="2784143" y="185578"/>
+            <a:ext cx="2569677" cy="533400"/>
+          </a:xfrm>
+          <a:prstGeom prst="rect">
+            <a:avLst/>
+          </a:prstGeom>
+        </p:spPr>
+      </p:pic>
+      <p:sp>
+        <p:nvSpPr>
+          <p:cNvPr id="4" name="文本框 3"/>
+          <p:cNvSpPr txBox="1"/>
+          <p:nvPr/>
+        </p:nvSpPr>
+        <p:spPr>
+          <a:xfrm>
+            <a:off x="2871725" y="229344"/>
+            <a:ext cx="2482095" cy="369332"/>
+          </a:xfrm>
+          <a:prstGeom prst="rect">
+            <a:avLst/>
+          </a:prstGeom>
+          <a:noFill/>
+        </p:spPr>
+        <p:txBody>
+          <a:bodyPr wrap="square" rtlCol="0">
+            <a:spAutoFit/>
+          </a:bodyPr>
+          <a:lstStyle/>
+          <a:p>
+            <a:r>
+              <a:rPr lang="en-US" altLang="zh-CN" b="1" dirty="0" err="1">
+                <a:solidFill>
+                  <a:srgbClr val="FF0000"/>
+                </a:solidFill>
+              </a:rPr>
+              <a:t>CopyOnWriteArrayList</a:t>
+            </a:r>
+            <a:endParaRPr lang="zh-CN" altLang="en-US" b="1" dirty="0">
+              <a:solidFill>
+                <a:srgbClr val="FF0000"/>
+              </a:solidFill>
+            </a:endParaRPr>
+          </a:p>
+        </p:txBody>
+      </p:sp>
+      <p:pic>
+        <p:nvPicPr>
+          <p:cNvPr id="5" name="图片 4"/>
+          <p:cNvPicPr>
+            <a:picLocks noChangeAspect="1"/>
+          </p:cNvPicPr>
+          <p:nvPr/>
+        </p:nvPicPr>
+        <p:blipFill>
+          <a:blip r:embed="rId4"/>
+          <a:stretch>
+            <a:fillRect/>
+          </a:stretch>
+        </p:blipFill>
+        <p:spPr>
+          <a:xfrm>
+            <a:off x="2197787" y="1420006"/>
+            <a:ext cx="7826648" cy="4380292"/>
+          </a:xfrm>
+          <a:prstGeom prst="rect">
+            <a:avLst/>
+          </a:prstGeom>
+        </p:spPr>
+      </p:pic>
+    </p:spTree>
+    <p:extLst>
+      <p:ext uri="{BB962C8B-B14F-4D97-AF65-F5344CB8AC3E}">
+        <p14:creationId xmlns:p14="http://schemas.microsoft.com/office/powerpoint/2010/main" val="654049116"/>
       </p:ext>
     </p:extLst>
   </p:cSld>
